--- a/Presentation.pptx
+++ b/Presentation.pptx
@@ -7621,7 +7621,47 @@
             </a:r>
             <a:r>
               <a:rPr lang="it-IT" dirty="0"/>
+              <a:t> and by </a:t>
+            </a:r>
+            <a:r>
+              <a:rPr lang="it-IT" dirty="0" err="1"/>
+              <a:t>looking</a:t>
+            </a:r>
+            <a:r>
+              <a:rPr lang="it-IT" dirty="0"/>
               <a:t> </a:t>
+            </a:r>
+            <a:r>
+              <a:rPr lang="it-IT" dirty="0" err="1"/>
+              <a:t>at</a:t>
+            </a:r>
+            <a:r>
+              <a:rPr lang="it-IT" dirty="0"/>
+              <a:t> the </a:t>
+            </a:r>
+            <a:r>
+              <a:rPr lang="it-IT" dirty="0" err="1"/>
+              <a:t>most</a:t>
+            </a:r>
+            <a:r>
+              <a:rPr lang="it-IT" dirty="0"/>
+              <a:t> </a:t>
+            </a:r>
+            <a:r>
+              <a:rPr lang="it-IT" dirty="0" err="1"/>
+              <a:t>popular</a:t>
+            </a:r>
+            <a:r>
+              <a:rPr lang="it-IT" dirty="0"/>
+              <a:t> </a:t>
+            </a:r>
+            <a:r>
+              <a:rPr lang="it-IT" dirty="0" err="1"/>
+              <a:t>finance</a:t>
+            </a:r>
+            <a:r>
+              <a:rPr lang="it-IT" dirty="0"/>
+              <a:t> apps </a:t>
             </a:r>
             <a:r>
               <a:rPr lang="it-IT" dirty="0" err="1"/>
@@ -16404,14 +16444,14 @@
             <a:pPr algn="ctr"/>
             <a:r>
               <a:rPr lang="it-IT" sz="1000" dirty="0"/>
-              <a:t>Plan 5:</a:t>
+              <a:t>Plan 4:</a:t>
             </a:r>
             <a:br>
               <a:rPr lang="it-IT" sz="1000" dirty="0"/>
             </a:br>
             <a:r>
               <a:rPr lang="it-IT" sz="1000" dirty="0"/>
-              <a:t>5.1 or 5.2</a:t>
+              <a:t>4.1 or 4.2</a:t>
             </a:r>
           </a:p>
         </p:txBody>
